--- a/UFC_Fighter_Statistics_Visualizations.pptx
+++ b/UFC_Fighter_Statistics_Visualizations.pptx
@@ -3133,7 +3133,7 @@
         </p:blipFill>
         <p:spPr>
           <a:xfrm>
-            <a:off x="914400" y="914400"/>
+            <a:off x="914400" y="1828800"/>
             <a:ext cx="7772400" cy="4343400"/>
           </a:xfrm>
           <a:prstGeom prst="rect">
@@ -3196,7 +3196,7 @@
         </p:blipFill>
         <p:spPr>
           <a:xfrm>
-            <a:off x="914400" y="914400"/>
+            <a:off x="914400" y="1828800"/>
             <a:ext cx="7772400" cy="4343400"/>
           </a:xfrm>
           <a:prstGeom prst="rect">
@@ -3259,7 +3259,7 @@
         </p:blipFill>
         <p:spPr>
           <a:xfrm>
-            <a:off x="914400" y="914400"/>
+            <a:off x="914400" y="1828800"/>
             <a:ext cx="7772400" cy="4343400"/>
           </a:xfrm>
           <a:prstGeom prst="rect">
@@ -3322,7 +3322,7 @@
         </p:blipFill>
         <p:spPr>
           <a:xfrm>
-            <a:off x="914400" y="914400"/>
+            <a:off x="914400" y="1828800"/>
             <a:ext cx="7772400" cy="4343400"/>
           </a:xfrm>
           <a:prstGeom prst="rect">
@@ -3385,7 +3385,7 @@
         </p:blipFill>
         <p:spPr>
           <a:xfrm>
-            <a:off x="914400" y="914400"/>
+            <a:off x="914400" y="1828800"/>
             <a:ext cx="7772400" cy="4343400"/>
           </a:xfrm>
           <a:prstGeom prst="rect">
@@ -3448,7 +3448,7 @@
         </p:blipFill>
         <p:spPr>
           <a:xfrm>
-            <a:off x="914400" y="914400"/>
+            <a:off x="914400" y="1828800"/>
             <a:ext cx="7772400" cy="4343400"/>
           </a:xfrm>
           <a:prstGeom prst="rect">
@@ -3511,7 +3511,7 @@
         </p:blipFill>
         <p:spPr>
           <a:xfrm>
-            <a:off x="914400" y="914400"/>
+            <a:off x="914400" y="1828800"/>
             <a:ext cx="7772400" cy="4343400"/>
           </a:xfrm>
           <a:prstGeom prst="rect">
@@ -3574,7 +3574,7 @@
         </p:blipFill>
         <p:spPr>
           <a:xfrm>
-            <a:off x="914400" y="914400"/>
+            <a:off x="914400" y="1828800"/>
             <a:ext cx="7772400" cy="4343400"/>
           </a:xfrm>
           <a:prstGeom prst="rect">
@@ -3637,7 +3637,7 @@
         </p:blipFill>
         <p:spPr>
           <a:xfrm>
-            <a:off x="914400" y="914400"/>
+            <a:off x="914400" y="1828800"/>
             <a:ext cx="7772400" cy="4343400"/>
           </a:xfrm>
           <a:prstGeom prst="rect">
